--- a/presentaciones/Modulo 11 El API Gateway.pptx
+++ b/presentaciones/Modulo 11 El API Gateway.pptx
@@ -271,7 +271,7 @@
           <a:p>
             <a:fld id="{9947E4B7-F257-4C4C-887E-FAB8D4174B66}" type="datetimeFigureOut">
               <a:rPr lang="es-PE" smtClean="0"/>
-              <a:t>20/04/2025</a:t>
+              <a:t>5/05/2025</a:t>
             </a:fld>
             <a:endParaRPr lang="es-PE"/>
           </a:p>
@@ -686,7 +686,7 @@
           <a:p>
             <a:fld id="{9947E4B7-F257-4C4C-887E-FAB8D4174B66}" type="datetimeFigureOut">
               <a:rPr lang="es-PE" smtClean="0"/>
-              <a:t>20/04/2025</a:t>
+              <a:t>5/05/2025</a:t>
             </a:fld>
             <a:endParaRPr lang="es-PE"/>
           </a:p>
@@ -896,7 +896,7 @@
           <a:p>
             <a:fld id="{9947E4B7-F257-4C4C-887E-FAB8D4174B66}" type="datetimeFigureOut">
               <a:rPr lang="es-PE" smtClean="0"/>
-              <a:t>20/04/2025</a:t>
+              <a:t>5/05/2025</a:t>
             </a:fld>
             <a:endParaRPr lang="es-PE"/>
           </a:p>
@@ -1104,7 +1104,7 @@
           <a:p>
             <a:fld id="{9947E4B7-F257-4C4C-887E-FAB8D4174B66}" type="datetimeFigureOut">
               <a:rPr lang="es-PE" smtClean="0"/>
-              <a:t>20/04/2025</a:t>
+              <a:t>5/05/2025</a:t>
             </a:fld>
             <a:endParaRPr lang="es-PE"/>
           </a:p>
@@ -1595,7 +1595,7 @@
           <a:p>
             <a:fld id="{9947E4B7-F257-4C4C-887E-FAB8D4174B66}" type="datetimeFigureOut">
               <a:rPr lang="es-PE" smtClean="0"/>
-              <a:t>20/04/2025</a:t>
+              <a:t>5/05/2025</a:t>
             </a:fld>
             <a:endParaRPr lang="es-PE"/>
           </a:p>
@@ -2078,7 +2078,7 @@
           <a:p>
             <a:fld id="{9947E4B7-F257-4C4C-887E-FAB8D4174B66}" type="datetimeFigureOut">
               <a:rPr lang="es-PE" smtClean="0"/>
-              <a:t>20/04/2025</a:t>
+              <a:t>5/05/2025</a:t>
             </a:fld>
             <a:endParaRPr lang="es-PE"/>
           </a:p>
@@ -2493,7 +2493,7 @@
           <a:p>
             <a:fld id="{9947E4B7-F257-4C4C-887E-FAB8D4174B66}" type="datetimeFigureOut">
               <a:rPr lang="es-PE" smtClean="0"/>
-              <a:t>20/04/2025</a:t>
+              <a:t>5/05/2025</a:t>
             </a:fld>
             <a:endParaRPr lang="es-PE"/>
           </a:p>
@@ -2635,7 +2635,7 @@
           <a:p>
             <a:fld id="{9947E4B7-F257-4C4C-887E-FAB8D4174B66}" type="datetimeFigureOut">
               <a:rPr lang="es-PE" smtClean="0"/>
-              <a:t>20/04/2025</a:t>
+              <a:t>5/05/2025</a:t>
             </a:fld>
             <a:endParaRPr lang="es-PE"/>
           </a:p>
@@ -2748,7 +2748,7 @@
           <a:p>
             <a:fld id="{9947E4B7-F257-4C4C-887E-FAB8D4174B66}" type="datetimeFigureOut">
               <a:rPr lang="es-PE" smtClean="0"/>
-              <a:t>20/04/2025</a:t>
+              <a:t>5/05/2025</a:t>
             </a:fld>
             <a:endParaRPr lang="es-PE"/>
           </a:p>
@@ -3061,7 +3061,7 @@
           <a:p>
             <a:fld id="{9947E4B7-F257-4C4C-887E-FAB8D4174B66}" type="datetimeFigureOut">
               <a:rPr lang="es-PE" smtClean="0"/>
-              <a:t>20/04/2025</a:t>
+              <a:t>5/05/2025</a:t>
             </a:fld>
             <a:endParaRPr lang="es-PE"/>
           </a:p>
@@ -3354,7 +3354,7 @@
           <a:p>
             <a:fld id="{9947E4B7-F257-4C4C-887E-FAB8D4174B66}" type="datetimeFigureOut">
               <a:rPr lang="es-PE" smtClean="0"/>
-              <a:t>20/04/2025</a:t>
+              <a:t>5/05/2025</a:t>
             </a:fld>
             <a:endParaRPr lang="es-PE"/>
           </a:p>
@@ -3597,7 +3597,7 @@
           <a:p>
             <a:fld id="{9947E4B7-F257-4C4C-887E-FAB8D4174B66}" type="datetimeFigureOut">
               <a:rPr lang="es-PE" smtClean="0"/>
-              <a:t>20/04/2025</a:t>
+              <a:t>5/05/2025</a:t>
             </a:fld>
             <a:endParaRPr lang="es-PE"/>
           </a:p>
@@ -6686,15 +6686,7 @@
           <a:p>
             <a:r>
               <a:rPr lang="en-US" dirty="0"/>
-              <a:t>curl http://localhost:8080/cliente/mensaje Se </a:t>
-            </a:r>
-            <a:r>
-              <a:rPr lang="en-US" dirty="0" err="1"/>
-              <a:t>redirige</a:t>
-            </a:r>
-            <a:r>
-              <a:rPr lang="en-US" dirty="0"/>
-              <a:t> a </a:t>
+              <a:t>curl http://localhost:8080/cliente/mensaje Se redirige a </a:t>
             </a:r>
             <a:r>
               <a:rPr lang="en-US" b="1" dirty="0"/>
